--- a/Draft_WIP.pptx
+++ b/Draft_WIP.pptx
@@ -8,8 +8,8 @@
     <p:sldId id="256" r:id="rId2"/>
     <p:sldId id="259" r:id="rId3"/>
     <p:sldId id="262" r:id="rId4"/>
-    <p:sldId id="260" r:id="rId5"/>
-    <p:sldId id="261" r:id="rId6"/>
+    <p:sldId id="261" r:id="rId5"/>
+    <p:sldId id="260" r:id="rId6"/>
     <p:sldId id="263" r:id="rId7"/>
     <p:sldId id="264" r:id="rId8"/>
     <p:sldId id="265" r:id="rId9"/>
@@ -111,6 +111,11 @@
       </a:defRPr>
     </a:lvl9pPr>
   </p:defaultTextStyle>
+  <p:extLst>
+    <p:ext uri="{EFAFB233-063F-42B5-8137-9DF3F51BA10A}">
+      <p15:sldGuideLst xmlns:p15="http://schemas.microsoft.com/office/powerpoint/2012/main"/>
+    </p:ext>
+  </p:extLst>
 </p:presentation>
 </file>
 
@@ -263,7 +268,7 @@
           <a:p>
             <a:fld id="{7D7776A5-21CC-F24B-97BE-CF67D8827C44}" type="datetimeFigureOut">
               <a:rPr lang="de-CH" smtClean="0"/>
-              <a:t>23.11.18</a:t>
+              <a:t>25.11.18</a:t>
             </a:fld>
             <a:endParaRPr lang="de-CH"/>
           </a:p>
@@ -317,7 +322,7 @@
           <a:p>
             <a:fld id="{3674F360-0F9F-D443-96F5-849E62CA4E06}" type="slidenum">
               <a:rPr lang="de-CH" smtClean="0"/>
-              <a:t>‹#›</a:t>
+              <a:t>‹Nr.›</a:t>
             </a:fld>
             <a:endParaRPr lang="de-CH"/>
           </a:p>
@@ -463,7 +468,7 @@
           <a:p>
             <a:fld id="{7D7776A5-21CC-F24B-97BE-CF67D8827C44}" type="datetimeFigureOut">
               <a:rPr lang="de-CH" smtClean="0"/>
-              <a:t>23.11.18</a:t>
+              <a:t>25.11.18</a:t>
             </a:fld>
             <a:endParaRPr lang="de-CH"/>
           </a:p>
@@ -517,7 +522,7 @@
           <a:p>
             <a:fld id="{3674F360-0F9F-D443-96F5-849E62CA4E06}" type="slidenum">
               <a:rPr lang="de-CH" smtClean="0"/>
-              <a:t>‹#›</a:t>
+              <a:t>‹Nr.›</a:t>
             </a:fld>
             <a:endParaRPr lang="de-CH"/>
           </a:p>
@@ -673,7 +678,7 @@
           <a:p>
             <a:fld id="{7D7776A5-21CC-F24B-97BE-CF67D8827C44}" type="datetimeFigureOut">
               <a:rPr lang="de-CH" smtClean="0"/>
-              <a:t>23.11.18</a:t>
+              <a:t>25.11.18</a:t>
             </a:fld>
             <a:endParaRPr lang="de-CH"/>
           </a:p>
@@ -727,7 +732,7 @@
           <a:p>
             <a:fld id="{3674F360-0F9F-D443-96F5-849E62CA4E06}" type="slidenum">
               <a:rPr lang="de-CH" smtClean="0"/>
-              <a:t>‹#›</a:t>
+              <a:t>‹Nr.›</a:t>
             </a:fld>
             <a:endParaRPr lang="de-CH"/>
           </a:p>
@@ -873,7 +878,7 @@
           <a:p>
             <a:fld id="{7D7776A5-21CC-F24B-97BE-CF67D8827C44}" type="datetimeFigureOut">
               <a:rPr lang="de-CH" smtClean="0"/>
-              <a:t>23.11.18</a:t>
+              <a:t>25.11.18</a:t>
             </a:fld>
             <a:endParaRPr lang="de-CH"/>
           </a:p>
@@ -927,7 +932,7 @@
           <a:p>
             <a:fld id="{3674F360-0F9F-D443-96F5-849E62CA4E06}" type="slidenum">
               <a:rPr lang="de-CH" smtClean="0"/>
-              <a:t>‹#›</a:t>
+              <a:t>‹Nr.›</a:t>
             </a:fld>
             <a:endParaRPr lang="de-CH"/>
           </a:p>
@@ -1149,7 +1154,7 @@
           <a:p>
             <a:fld id="{7D7776A5-21CC-F24B-97BE-CF67D8827C44}" type="datetimeFigureOut">
               <a:rPr lang="de-CH" smtClean="0"/>
-              <a:t>23.11.18</a:t>
+              <a:t>25.11.18</a:t>
             </a:fld>
             <a:endParaRPr lang="de-CH"/>
           </a:p>
@@ -1203,7 +1208,7 @@
           <a:p>
             <a:fld id="{3674F360-0F9F-D443-96F5-849E62CA4E06}" type="slidenum">
               <a:rPr lang="de-CH" smtClean="0"/>
-              <a:t>‹#›</a:t>
+              <a:t>‹Nr.›</a:t>
             </a:fld>
             <a:endParaRPr lang="de-CH"/>
           </a:p>
@@ -1417,7 +1422,7 @@
           <a:p>
             <a:fld id="{7D7776A5-21CC-F24B-97BE-CF67D8827C44}" type="datetimeFigureOut">
               <a:rPr lang="de-CH" smtClean="0"/>
-              <a:t>23.11.18</a:t>
+              <a:t>25.11.18</a:t>
             </a:fld>
             <a:endParaRPr lang="de-CH"/>
           </a:p>
@@ -1471,7 +1476,7 @@
           <a:p>
             <a:fld id="{3674F360-0F9F-D443-96F5-849E62CA4E06}" type="slidenum">
               <a:rPr lang="de-CH" smtClean="0"/>
-              <a:t>‹#›</a:t>
+              <a:t>‹Nr.›</a:t>
             </a:fld>
             <a:endParaRPr lang="de-CH"/>
           </a:p>
@@ -1832,7 +1837,7 @@
           <a:p>
             <a:fld id="{7D7776A5-21CC-F24B-97BE-CF67D8827C44}" type="datetimeFigureOut">
               <a:rPr lang="de-CH" smtClean="0"/>
-              <a:t>23.11.18</a:t>
+              <a:t>25.11.18</a:t>
             </a:fld>
             <a:endParaRPr lang="de-CH"/>
           </a:p>
@@ -1886,7 +1891,7 @@
           <a:p>
             <a:fld id="{3674F360-0F9F-D443-96F5-849E62CA4E06}" type="slidenum">
               <a:rPr lang="de-CH" smtClean="0"/>
-              <a:t>‹#›</a:t>
+              <a:t>‹Nr.›</a:t>
             </a:fld>
             <a:endParaRPr lang="de-CH"/>
           </a:p>
@@ -1974,7 +1979,7 @@
           <a:p>
             <a:fld id="{7D7776A5-21CC-F24B-97BE-CF67D8827C44}" type="datetimeFigureOut">
               <a:rPr lang="de-CH" smtClean="0"/>
-              <a:t>23.11.18</a:t>
+              <a:t>25.11.18</a:t>
             </a:fld>
             <a:endParaRPr lang="de-CH"/>
           </a:p>
@@ -2028,7 +2033,7 @@
           <a:p>
             <a:fld id="{3674F360-0F9F-D443-96F5-849E62CA4E06}" type="slidenum">
               <a:rPr lang="de-CH" smtClean="0"/>
-              <a:t>‹#›</a:t>
+              <a:t>‹Nr.›</a:t>
             </a:fld>
             <a:endParaRPr lang="de-CH"/>
           </a:p>
@@ -2087,7 +2092,7 @@
           <a:p>
             <a:fld id="{7D7776A5-21CC-F24B-97BE-CF67D8827C44}" type="datetimeFigureOut">
               <a:rPr lang="de-CH" smtClean="0"/>
-              <a:t>23.11.18</a:t>
+              <a:t>25.11.18</a:t>
             </a:fld>
             <a:endParaRPr lang="de-CH"/>
           </a:p>
@@ -2141,7 +2146,7 @@
           <a:p>
             <a:fld id="{3674F360-0F9F-D443-96F5-849E62CA4E06}" type="slidenum">
               <a:rPr lang="de-CH" smtClean="0"/>
-              <a:t>‹#›</a:t>
+              <a:t>‹Nr.›</a:t>
             </a:fld>
             <a:endParaRPr lang="de-CH"/>
           </a:p>
@@ -2400,7 +2405,7 @@
           <a:p>
             <a:fld id="{7D7776A5-21CC-F24B-97BE-CF67D8827C44}" type="datetimeFigureOut">
               <a:rPr lang="de-CH" smtClean="0"/>
-              <a:t>23.11.18</a:t>
+              <a:t>25.11.18</a:t>
             </a:fld>
             <a:endParaRPr lang="de-CH"/>
           </a:p>
@@ -2454,7 +2459,7 @@
           <a:p>
             <a:fld id="{3674F360-0F9F-D443-96F5-849E62CA4E06}" type="slidenum">
               <a:rPr lang="de-CH" smtClean="0"/>
-              <a:t>‹#›</a:t>
+              <a:t>‹Nr.›</a:t>
             </a:fld>
             <a:endParaRPr lang="de-CH"/>
           </a:p>
@@ -2689,7 +2694,7 @@
           <a:p>
             <a:fld id="{7D7776A5-21CC-F24B-97BE-CF67D8827C44}" type="datetimeFigureOut">
               <a:rPr lang="de-CH" smtClean="0"/>
-              <a:t>23.11.18</a:t>
+              <a:t>25.11.18</a:t>
             </a:fld>
             <a:endParaRPr lang="de-CH"/>
           </a:p>
@@ -2743,7 +2748,7 @@
           <a:p>
             <a:fld id="{3674F360-0F9F-D443-96F5-849E62CA4E06}" type="slidenum">
               <a:rPr lang="de-CH" smtClean="0"/>
-              <a:t>‹#›</a:t>
+              <a:t>‹Nr.›</a:t>
             </a:fld>
             <a:endParaRPr lang="de-CH"/>
           </a:p>
@@ -2932,7 +2937,7 @@
           <a:p>
             <a:fld id="{7D7776A5-21CC-F24B-97BE-CF67D8827C44}" type="datetimeFigureOut">
               <a:rPr lang="de-CH" smtClean="0"/>
-              <a:t>23.11.18</a:t>
+              <a:t>25.11.18</a:t>
             </a:fld>
             <a:endParaRPr lang="de-CH"/>
           </a:p>
@@ -3022,7 +3027,7 @@
           <a:p>
             <a:fld id="{3674F360-0F9F-D443-96F5-849E62CA4E06}" type="slidenum">
               <a:rPr lang="de-CH" smtClean="0"/>
-              <a:t>‹#›</a:t>
+              <a:t>‹Nr.›</a:t>
             </a:fld>
             <a:endParaRPr lang="de-CH"/>
           </a:p>
@@ -3805,7 +3810,7 @@
           <p:cNvPr id="2" name="Title 1">
             <a:extLst>
               <a:ext uri="{FF2B5EF4-FFF2-40B4-BE49-F238E27FC236}">
-                <a16:creationId xmlns:a16="http://schemas.microsoft.com/office/drawing/2014/main" id="{61E4E1CA-843C-1941-9B1A-D9F28CEDF8D7}"/>
+                <a16:creationId xmlns:a16="http://schemas.microsoft.com/office/drawing/2014/main" id="{A89F8A60-00EB-B942-92D6-60A398F7C04B}"/>
               </a:ext>
             </a:extLst>
           </p:cNvPr>
@@ -3823,7 +3828,7 @@
           <a:p>
             <a:r>
               <a:rPr lang="en-US" dirty="0"/>
-              <a:t>The Smart Contract</a:t>
+              <a:t>Problems</a:t>
             </a:r>
           </a:p>
         </p:txBody>
@@ -3833,7 +3838,7 @@
           <p:cNvPr id="3" name="Content Placeholder 2">
             <a:extLst>
               <a:ext uri="{FF2B5EF4-FFF2-40B4-BE49-F238E27FC236}">
-                <a16:creationId xmlns:a16="http://schemas.microsoft.com/office/drawing/2014/main" id="{CBAFE401-3682-FD47-B2A7-DDB70B5F95C6}"/>
+                <a16:creationId xmlns:a16="http://schemas.microsoft.com/office/drawing/2014/main" id="{70092499-0725-1F4F-AE90-4ADA13E09BC6}"/>
               </a:ext>
             </a:extLst>
           </p:cNvPr>
@@ -3846,101 +3851,42 @@
         </p:nvSpPr>
         <p:spPr/>
         <p:txBody>
+          <a:bodyPr/>
+          <a:lstStyle/>
+          <a:p>
+            <a:r>
+              <a:rPr lang="en-US" dirty="0"/>
+              <a:t>Picture of new setup</a:t>
+            </a:r>
+          </a:p>
+        </p:txBody>
+      </p:sp>
+      <p:sp>
+        <p:nvSpPr>
+          <p:cNvPr id="4" name="Text Placeholder 3">
+            <a:extLst>
+              <a:ext uri="{FF2B5EF4-FFF2-40B4-BE49-F238E27FC236}">
+                <a16:creationId xmlns:a16="http://schemas.microsoft.com/office/drawing/2014/main" id="{C605BA83-06C6-D84C-B279-4918DA4A0CCD}"/>
+              </a:ext>
+            </a:extLst>
+          </p:cNvPr>
+          <p:cNvSpPr>
+            <a:spLocks noGrp="1"/>
+          </p:cNvSpPr>
+          <p:nvPr>
+            <p:ph type="body" sz="half" idx="2"/>
+          </p:nvPr>
+        </p:nvSpPr>
+        <p:spPr/>
+        <p:txBody>
           <a:bodyPr>
-            <a:normAutofit/>
+            <a:normAutofit lnSpcReduction="10000"/>
           </a:bodyPr>
           <a:lstStyle/>
           <a:p>
-            <a:pPr marL="0" indent="0">
-              <a:buNone/>
-            </a:pPr>
-            <a:r>
-              <a:rPr lang="en-US" sz="1500" dirty="0"/>
-              <a:t>function </a:t>
-            </a:r>
-            <a:r>
-              <a:rPr lang="en-US" sz="1500" dirty="0" err="1"/>
-              <a:t>checkVictoryCondition</a:t>
-            </a:r>
-            <a:r>
-              <a:rPr lang="en-US" sz="1500" dirty="0"/>
-              <a:t>(uint8 _col, uint8 _row) private {</a:t>
-            </a:r>
-          </a:p>
-          <a:p>
-            <a:pPr marL="0" indent="0">
-              <a:buNone/>
-            </a:pPr>
-            <a:r>
-              <a:rPr lang="en-US" sz="1500" dirty="0"/>
-              <a:t>Code for one direction and mention that we do this for 8!</a:t>
-            </a:r>
-          </a:p>
-          <a:p>
-            <a:pPr marL="0" indent="0">
-              <a:buNone/>
-            </a:pPr>
-            <a:endParaRPr lang="en-US" sz="1500" dirty="0"/>
-          </a:p>
-          <a:p>
-            <a:pPr marL="0" indent="0">
-              <a:buNone/>
-            </a:pPr>
-            <a:endParaRPr lang="en-US" sz="1500" dirty="0"/>
-          </a:p>
-          <a:p>
-            <a:pPr marL="0" indent="0">
-              <a:buNone/>
-            </a:pPr>
-            <a:endParaRPr lang="en-US" sz="1500" dirty="0"/>
-          </a:p>
-        </p:txBody>
-      </p:sp>
-      <p:sp>
-        <p:nvSpPr>
-          <p:cNvPr id="4" name="Text Placeholder 3">
-            <a:extLst>
-              <a:ext uri="{FF2B5EF4-FFF2-40B4-BE49-F238E27FC236}">
-                <a16:creationId xmlns:a16="http://schemas.microsoft.com/office/drawing/2014/main" id="{3D8FF477-EC51-A540-B560-A720C3DA959D}"/>
-              </a:ext>
-            </a:extLst>
-          </p:cNvPr>
-          <p:cNvSpPr>
-            <a:spLocks noGrp="1"/>
-          </p:cNvSpPr>
-          <p:nvPr>
-            <p:ph type="body" sz="half" idx="2"/>
-          </p:nvPr>
-        </p:nvSpPr>
-        <p:spPr/>
-        <p:txBody>
-          <a:bodyPr/>
-          <a:lstStyle/>
-          <a:p>
             <a:r>
               <a:rPr lang="en-US" dirty="0"/>
-              <a:t>Two players join the contract/game</a:t>
-            </a:r>
-          </a:p>
-          <a:p>
-            <a:r>
-              <a:rPr lang="en-US" dirty="0"/>
-              <a:t>They bet the same amount of ether</a:t>
-            </a:r>
-          </a:p>
-          <a:p>
-            <a:r>
-              <a:rPr lang="en-US" dirty="0"/>
-              <a:t>With each turn they make a small transaction</a:t>
-            </a:r>
-          </a:p>
-          <a:p>
-            <a:endParaRPr lang="en-US" dirty="0"/>
-          </a:p>
-          <a:p>
-            <a:r>
-              <a:rPr lang="en-US" dirty="0"/>
-              <a:t>The contract checks</a:t>
+              <a:t>What if more than two players want to play?</a:t>
             </a:r>
           </a:p>
           <a:p>
@@ -3950,7 +3896,13 @@
             </a:pPr>
             <a:r>
               <a:rPr lang="en-US" dirty="0"/>
-              <a:t>If a turn is legal</a:t>
+              <a:t>Simplicity: the game is time locked</a:t>
+            </a:r>
+          </a:p>
+          <a:p>
+            <a:r>
+              <a:rPr lang="en-US" dirty="0"/>
+              <a:t>What if a player bets 1’000 ether and blocks the contract?</a:t>
             </a:r>
           </a:p>
           <a:p>
@@ -3960,7 +3912,13 @@
             </a:pPr>
             <a:r>
               <a:rPr lang="en-US" dirty="0"/>
-              <a:t>If a player has won</a:t>
+              <a:t>Simplicity: the bets are restricted to 10 ether</a:t>
+            </a:r>
+          </a:p>
+          <a:p>
+            <a:r>
+              <a:rPr lang="en-US" dirty="0"/>
+              <a:t>What if a player is bound to lose and simply doesn’t continue his turn?</a:t>
             </a:r>
           </a:p>
           <a:p>
@@ -3970,7 +3928,13 @@
             </a:pPr>
             <a:r>
               <a:rPr lang="en-US" dirty="0"/>
-              <a:t>If the game has ended in a tie</a:t>
+              <a:t>Incentive to give up: small payout for loser</a:t>
+            </a:r>
+          </a:p>
+          <a:p>
+            <a:r>
+              <a:rPr lang="en-US" dirty="0"/>
+              <a:t>What if someone plays who knows that the game is solved?</a:t>
             </a:r>
           </a:p>
           <a:p>
@@ -3978,12 +3942,9 @@
               <a:buFont typeface="Wingdings" pitchFamily="2" charset="2"/>
               <a:buChar char="Ø"/>
             </a:pPr>
-            <a:endParaRPr lang="en-US" dirty="0"/>
-          </a:p>
-          <a:p>
             <a:r>
               <a:rPr lang="en-US" dirty="0"/>
-              <a:t>The winner gets 90% of both bets, we take 10%</a:t>
+              <a:t>New Rules!</a:t>
             </a:r>
           </a:p>
         </p:txBody>
@@ -3991,7 +3952,7 @@
     </p:spTree>
     <p:extLst>
       <p:ext uri="{BB962C8B-B14F-4D97-AF65-F5344CB8AC3E}">
-        <p14:creationId xmlns:p14="http://schemas.microsoft.com/office/powerpoint/2010/main" val="498028741"/>
+        <p14:creationId xmlns:p14="http://schemas.microsoft.com/office/powerpoint/2010/main" val="441839509"/>
       </p:ext>
     </p:extLst>
   </p:cSld>
@@ -4023,7 +3984,7 @@
           <p:cNvPr id="2" name="Title 1">
             <a:extLst>
               <a:ext uri="{FF2B5EF4-FFF2-40B4-BE49-F238E27FC236}">
-                <a16:creationId xmlns:a16="http://schemas.microsoft.com/office/drawing/2014/main" id="{A89F8A60-00EB-B942-92D6-60A398F7C04B}"/>
+                <a16:creationId xmlns:a16="http://schemas.microsoft.com/office/drawing/2014/main" id="{61E4E1CA-843C-1941-9B1A-D9F28CEDF8D7}"/>
               </a:ext>
             </a:extLst>
           </p:cNvPr>
@@ -4041,7 +4002,7 @@
           <a:p>
             <a:r>
               <a:rPr lang="en-US" dirty="0"/>
-              <a:t>Problems</a:t>
+              <a:t>The Smart Contract</a:t>
             </a:r>
           </a:p>
         </p:txBody>
@@ -4051,7 +4012,7 @@
           <p:cNvPr id="3" name="Content Placeholder 2">
             <a:extLst>
               <a:ext uri="{FF2B5EF4-FFF2-40B4-BE49-F238E27FC236}">
-                <a16:creationId xmlns:a16="http://schemas.microsoft.com/office/drawing/2014/main" id="{70092499-0725-1F4F-AE90-4ADA13E09BC6}"/>
+                <a16:creationId xmlns:a16="http://schemas.microsoft.com/office/drawing/2014/main" id="{CBAFE401-3682-FD47-B2A7-DDB70B5F95C6}"/>
               </a:ext>
             </a:extLst>
           </p:cNvPr>
@@ -4062,6 +4023,332 @@
             <p:ph idx="1"/>
           </p:nvPr>
         </p:nvSpPr>
+        <p:spPr>
+          <a:xfrm>
+            <a:off x="5183187" y="987425"/>
+            <a:ext cx="7008813" cy="4873625"/>
+          </a:xfrm>
+        </p:spPr>
+        <p:txBody>
+          <a:bodyPr>
+            <a:normAutofit/>
+          </a:bodyPr>
+          <a:lstStyle/>
+          <a:p>
+            <a:pPr marL="0" indent="0">
+              <a:buNone/>
+            </a:pPr>
+            <a:r>
+              <a:rPr lang="en-US" sz="1400" dirty="0">
+                <a:latin typeface="Courier" pitchFamily="2" charset="0"/>
+              </a:rPr>
+              <a:t>function </a:t>
+            </a:r>
+            <a:r>
+              <a:rPr lang="en-US" sz="1400" dirty="0" err="1">
+                <a:latin typeface="Courier" pitchFamily="2" charset="0"/>
+              </a:rPr>
+              <a:t>checkVictoryCondition</a:t>
+            </a:r>
+            <a:r>
+              <a:rPr lang="en-US" sz="1400" dirty="0">
+                <a:latin typeface="Courier" pitchFamily="2" charset="0"/>
+              </a:rPr>
+              <a:t>(uint8 _col, uint8 _row) private {</a:t>
+            </a:r>
+          </a:p>
+          <a:p>
+            <a:pPr marL="0" indent="0">
+              <a:buNone/>
+            </a:pPr>
+            <a:r>
+              <a:rPr lang="en-US" sz="1400" dirty="0">
+                <a:latin typeface="Courier" pitchFamily="2" charset="0"/>
+              </a:rPr>
+              <a:t>//Code for one direction (horizontal)</a:t>
+            </a:r>
+          </a:p>
+          <a:p>
+            <a:pPr marL="0" indent="0">
+              <a:buNone/>
+            </a:pPr>
+            <a:endParaRPr lang="en-US" sz="1400" dirty="0">
+              <a:latin typeface="Courier" pitchFamily="2" charset="0"/>
+            </a:endParaRPr>
+          </a:p>
+          <a:p>
+            <a:pPr marL="0" indent="0">
+              <a:buNone/>
+            </a:pPr>
+            <a:r>
+              <a:rPr lang="de-CH" sz="1400" dirty="0" err="1">
+                <a:latin typeface="Courier" pitchFamily="2" charset="0"/>
+              </a:rPr>
+              <a:t>cp</a:t>
+            </a:r>
+            <a:r>
+              <a:rPr lang="de-CH" sz="1400" dirty="0">
+                <a:latin typeface="Courier" pitchFamily="2" charset="0"/>
+              </a:rPr>
+              <a:t> = p;</a:t>
+            </a:r>
+            <a:endParaRPr lang="en-US" sz="1400" dirty="0">
+              <a:latin typeface="Courier" pitchFamily="2" charset="0"/>
+            </a:endParaRPr>
+          </a:p>
+          <a:p>
+            <a:pPr marL="0" indent="0">
+              <a:buNone/>
+            </a:pPr>
+            <a:r>
+              <a:rPr lang="de-CH" sz="1400" dirty="0">
+                <a:latin typeface="Courier" pitchFamily="2" charset="0"/>
+              </a:rPr>
+              <a:t>i = _</a:t>
+            </a:r>
+            <a:r>
+              <a:rPr lang="de-CH" sz="1400" dirty="0" err="1">
+                <a:latin typeface="Courier" pitchFamily="2" charset="0"/>
+              </a:rPr>
+              <a:t>col</a:t>
+            </a:r>
+            <a:r>
+              <a:rPr lang="de-CH" sz="1400" dirty="0">
+                <a:latin typeface="Courier" pitchFamily="2" charset="0"/>
+              </a:rPr>
+              <a:t>;</a:t>
+            </a:r>
+            <a:endParaRPr lang="en-US" sz="1400" dirty="0">
+              <a:latin typeface="Courier" pitchFamily="2" charset="0"/>
+            </a:endParaRPr>
+          </a:p>
+          <a:p>
+            <a:pPr marL="0" indent="0">
+              <a:buNone/>
+            </a:pPr>
+            <a:r>
+              <a:rPr lang="de-CH" sz="1400" dirty="0" err="1">
+                <a:latin typeface="Courier" pitchFamily="2" charset="0"/>
+              </a:rPr>
+              <a:t>vp</a:t>
+            </a:r>
+            <a:r>
+              <a:rPr lang="de-CH" sz="1400" dirty="0">
+                <a:latin typeface="Courier" pitchFamily="2" charset="0"/>
+              </a:rPr>
+              <a:t>--;</a:t>
+            </a:r>
+          </a:p>
+          <a:p>
+            <a:pPr marL="0" indent="0">
+              <a:buNone/>
+            </a:pPr>
+            <a:r>
+              <a:rPr lang="de-CH" sz="1400" dirty="0" err="1">
+                <a:latin typeface="Courier" pitchFamily="2" charset="0"/>
+              </a:rPr>
+              <a:t>while</a:t>
+            </a:r>
+            <a:r>
+              <a:rPr lang="de-CH" sz="1400" dirty="0">
+                <a:latin typeface="Courier" pitchFamily="2" charset="0"/>
+              </a:rPr>
+              <a:t>(</a:t>
+            </a:r>
+            <a:r>
+              <a:rPr lang="de-CH" sz="1400" dirty="0" err="1">
+                <a:latin typeface="Courier" pitchFamily="2" charset="0"/>
+              </a:rPr>
+              <a:t>cp</a:t>
+            </a:r>
+            <a:r>
+              <a:rPr lang="de-CH" sz="1400" dirty="0">
+                <a:latin typeface="Courier" pitchFamily="2" charset="0"/>
+              </a:rPr>
+              <a:t> == p &amp;&amp; i &gt;= 0) {</a:t>
+            </a:r>
+          </a:p>
+          <a:p>
+            <a:pPr marL="0" indent="0">
+              <a:buNone/>
+            </a:pPr>
+            <a:r>
+              <a:rPr lang="de-CH" sz="1400" dirty="0">
+                <a:latin typeface="Courier" pitchFamily="2" charset="0"/>
+              </a:rPr>
+              <a:t>    </a:t>
+            </a:r>
+            <a:r>
+              <a:rPr lang="de-CH" sz="1400" dirty="0" err="1">
+                <a:latin typeface="Courier" pitchFamily="2" charset="0"/>
+              </a:rPr>
+              <a:t>vp</a:t>
+            </a:r>
+            <a:r>
+              <a:rPr lang="de-CH" sz="1400" dirty="0">
+                <a:latin typeface="Courier" pitchFamily="2" charset="0"/>
+              </a:rPr>
+              <a:t>++;</a:t>
+            </a:r>
+          </a:p>
+          <a:p>
+            <a:pPr marL="0" indent="0">
+              <a:buNone/>
+            </a:pPr>
+            <a:r>
+              <a:rPr lang="de-CH" sz="1400" dirty="0">
+                <a:latin typeface="Courier" pitchFamily="2" charset="0"/>
+              </a:rPr>
+              <a:t>    </a:t>
+            </a:r>
+            <a:r>
+              <a:rPr lang="de-CH" sz="1400" dirty="0" err="1">
+                <a:latin typeface="Courier" pitchFamily="2" charset="0"/>
+              </a:rPr>
+              <a:t>if</a:t>
+            </a:r>
+            <a:r>
+              <a:rPr lang="de-CH" sz="1400" dirty="0">
+                <a:latin typeface="Courier" pitchFamily="2" charset="0"/>
+              </a:rPr>
+              <a:t> (i &gt; 0) {</a:t>
+            </a:r>
+          </a:p>
+          <a:p>
+            <a:pPr marL="0" indent="0">
+              <a:buNone/>
+            </a:pPr>
+            <a:r>
+              <a:rPr lang="de-CH" sz="1400" dirty="0">
+                <a:latin typeface="Courier" pitchFamily="2" charset="0"/>
+              </a:rPr>
+              <a:t>        i--;</a:t>
+            </a:r>
+          </a:p>
+          <a:p>
+            <a:pPr marL="0" indent="0">
+              <a:buNone/>
+            </a:pPr>
+            <a:r>
+              <a:rPr lang="de-CH" sz="1400" dirty="0">
+                <a:latin typeface="Courier" pitchFamily="2" charset="0"/>
+              </a:rPr>
+              <a:t>        </a:t>
+            </a:r>
+            <a:r>
+              <a:rPr lang="de-CH" sz="1400" dirty="0" err="1">
+                <a:latin typeface="Courier" pitchFamily="2" charset="0"/>
+              </a:rPr>
+              <a:t>cp</a:t>
+            </a:r>
+            <a:r>
+              <a:rPr lang="de-CH" sz="1400" dirty="0">
+                <a:latin typeface="Courier" pitchFamily="2" charset="0"/>
+              </a:rPr>
+              <a:t> = </a:t>
+            </a:r>
+            <a:r>
+              <a:rPr lang="de-CH" sz="1400" dirty="0" err="1">
+                <a:latin typeface="Courier" pitchFamily="2" charset="0"/>
+              </a:rPr>
+              <a:t>grid</a:t>
+            </a:r>
+            <a:r>
+              <a:rPr lang="de-CH" sz="1400" dirty="0">
+                <a:latin typeface="Courier" pitchFamily="2" charset="0"/>
+              </a:rPr>
+              <a:t>[i][_</a:t>
+            </a:r>
+            <a:r>
+              <a:rPr lang="de-CH" sz="1400" dirty="0" err="1">
+                <a:latin typeface="Courier" pitchFamily="2" charset="0"/>
+              </a:rPr>
+              <a:t>row</a:t>
+            </a:r>
+            <a:r>
+              <a:rPr lang="de-CH" sz="1400" dirty="0">
+                <a:latin typeface="Courier" pitchFamily="2" charset="0"/>
+              </a:rPr>
+              <a:t>];</a:t>
+            </a:r>
+          </a:p>
+          <a:p>
+            <a:pPr marL="0" indent="0">
+              <a:buNone/>
+            </a:pPr>
+            <a:r>
+              <a:rPr lang="de-CH" sz="1400" dirty="0">
+                <a:latin typeface="Courier" pitchFamily="2" charset="0"/>
+              </a:rPr>
+              <a:t>    } </a:t>
+            </a:r>
+            <a:r>
+              <a:rPr lang="de-CH" sz="1400" dirty="0" err="1">
+                <a:latin typeface="Courier" pitchFamily="2" charset="0"/>
+              </a:rPr>
+              <a:t>else</a:t>
+            </a:r>
+            <a:r>
+              <a:rPr lang="de-CH" sz="1400" dirty="0">
+                <a:latin typeface="Courier" pitchFamily="2" charset="0"/>
+              </a:rPr>
+              <a:t> {</a:t>
+            </a:r>
+          </a:p>
+          <a:p>
+            <a:pPr marL="0" indent="0">
+              <a:buNone/>
+            </a:pPr>
+            <a:r>
+              <a:rPr lang="de-CH" sz="1400" dirty="0">
+                <a:latin typeface="Courier" pitchFamily="2" charset="0"/>
+              </a:rPr>
+              <a:t>        break;</a:t>
+            </a:r>
+          </a:p>
+          <a:p>
+            <a:pPr marL="0" indent="0">
+              <a:buNone/>
+            </a:pPr>
+            <a:r>
+              <a:rPr lang="de-CH" sz="1400" dirty="0">
+                <a:latin typeface="Courier" pitchFamily="2" charset="0"/>
+              </a:rPr>
+              <a:t>    }</a:t>
+            </a:r>
+          </a:p>
+          <a:p>
+            <a:pPr marL="0" indent="0">
+              <a:buNone/>
+            </a:pPr>
+            <a:r>
+              <a:rPr lang="en-US" sz="1400" dirty="0">
+                <a:latin typeface="Courier" pitchFamily="2" charset="0"/>
+              </a:rPr>
+              <a:t>}</a:t>
+            </a:r>
+            <a:endParaRPr lang="de-CH" sz="1400" dirty="0">
+              <a:latin typeface="Courier" pitchFamily="2" charset="0"/>
+            </a:endParaRPr>
+          </a:p>
+        </p:txBody>
+      </p:sp>
+      <p:sp>
+        <p:nvSpPr>
+          <p:cNvPr id="4" name="Text Placeholder 3">
+            <a:extLst>
+              <a:ext uri="{FF2B5EF4-FFF2-40B4-BE49-F238E27FC236}">
+                <a16:creationId xmlns:a16="http://schemas.microsoft.com/office/drawing/2014/main" id="{3D8FF477-EC51-A540-B560-A720C3DA959D}"/>
+              </a:ext>
+            </a:extLst>
+          </p:cNvPr>
+          <p:cNvSpPr>
+            <a:spLocks noGrp="1"/>
+          </p:cNvSpPr>
+          <p:nvPr>
+            <p:ph type="body" sz="half" idx="2"/>
+          </p:nvPr>
+        </p:nvSpPr>
         <p:spPr/>
         <p:txBody>
           <a:bodyPr/>
@@ -4069,37 +4356,28 @@
           <a:p>
             <a:r>
               <a:rPr lang="en-US" dirty="0"/>
-              <a:t>Picture of new setup</a:t>
-            </a:r>
-          </a:p>
-        </p:txBody>
-      </p:sp>
-      <p:sp>
-        <p:nvSpPr>
-          <p:cNvPr id="4" name="Text Placeholder 3">
-            <a:extLst>
-              <a:ext uri="{FF2B5EF4-FFF2-40B4-BE49-F238E27FC236}">
-                <a16:creationId xmlns:a16="http://schemas.microsoft.com/office/drawing/2014/main" id="{C605BA83-06C6-D84C-B279-4918DA4A0CCD}"/>
-              </a:ext>
-            </a:extLst>
-          </p:cNvPr>
-          <p:cNvSpPr>
-            <a:spLocks noGrp="1"/>
-          </p:cNvSpPr>
-          <p:nvPr>
-            <p:ph type="body" sz="half" idx="2"/>
-          </p:nvPr>
-        </p:nvSpPr>
-        <p:spPr/>
-        <p:txBody>
-          <a:bodyPr>
-            <a:normAutofit lnSpcReduction="10000"/>
-          </a:bodyPr>
-          <a:lstStyle/>
+              <a:t>Two players join the contract/game</a:t>
+            </a:r>
+          </a:p>
           <a:p>
             <a:r>
               <a:rPr lang="en-US" dirty="0"/>
-              <a:t>What if more than two players want to play?</a:t>
+              <a:t>They bet the same amount of ether</a:t>
+            </a:r>
+          </a:p>
+          <a:p>
+            <a:r>
+              <a:rPr lang="en-US" dirty="0"/>
+              <a:t>With each turn they make a small transaction</a:t>
+            </a:r>
+          </a:p>
+          <a:p>
+            <a:endParaRPr lang="en-US" dirty="0"/>
+          </a:p>
+          <a:p>
+            <a:r>
+              <a:rPr lang="en-US" dirty="0"/>
+              <a:t>The contract checks</a:t>
             </a:r>
           </a:p>
           <a:p>
@@ -4109,13 +4387,7 @@
             </a:pPr>
             <a:r>
               <a:rPr lang="en-US" dirty="0"/>
-              <a:t>Simplicity: the game is time locked</a:t>
-            </a:r>
-          </a:p>
-          <a:p>
-            <a:r>
-              <a:rPr lang="en-US" dirty="0"/>
-              <a:t>What if a player bets 1’000 ether and blocks the contract?</a:t>
+              <a:t>If a turn is legal</a:t>
             </a:r>
           </a:p>
           <a:p>
@@ -4125,13 +4397,7 @@
             </a:pPr>
             <a:r>
               <a:rPr lang="en-US" dirty="0"/>
-              <a:t>Simplicity: the bets are restricted to 10 ether</a:t>
-            </a:r>
-          </a:p>
-          <a:p>
-            <a:r>
-              <a:rPr lang="en-US" dirty="0"/>
-              <a:t>What if a player is bound to lose and simply doesn’t continue his turn?</a:t>
+              <a:t>If a player has won</a:t>
             </a:r>
           </a:p>
           <a:p>
@@ -4141,13 +4407,7 @@
             </a:pPr>
             <a:r>
               <a:rPr lang="en-US" dirty="0"/>
-              <a:t>Incentive to give up: small payout for loser</a:t>
-            </a:r>
-          </a:p>
-          <a:p>
-            <a:r>
-              <a:rPr lang="en-US" dirty="0"/>
-              <a:t>What if someone plays who knows that the game is solved?</a:t>
+              <a:t>If the game has ended in a tie</a:t>
             </a:r>
           </a:p>
           <a:p>
@@ -4155,9 +4415,12 @@
               <a:buFont typeface="Wingdings" pitchFamily="2" charset="2"/>
               <a:buChar char="Ø"/>
             </a:pPr>
+            <a:endParaRPr lang="en-US" dirty="0"/>
+          </a:p>
+          <a:p>
             <a:r>
               <a:rPr lang="en-US" dirty="0"/>
-              <a:t>New Rules!</a:t>
+              <a:t>The winner gets 90% of both bets, we take 10%</a:t>
             </a:r>
           </a:p>
         </p:txBody>
@@ -4165,7 +4428,7 @@
     </p:spTree>
     <p:extLst>
       <p:ext uri="{BB962C8B-B14F-4D97-AF65-F5344CB8AC3E}">
-        <p14:creationId xmlns:p14="http://schemas.microsoft.com/office/powerpoint/2010/main" val="441839509"/>
+        <p14:creationId xmlns:p14="http://schemas.microsoft.com/office/powerpoint/2010/main" val="498028741"/>
       </p:ext>
     </p:extLst>
   </p:cSld>
@@ -4220,12 +4483,472 @@
           </a:p>
         </p:txBody>
       </p:sp>
-      <p:sp>
-        <p:nvSpPr>
-          <p:cNvPr id="3" name="Content Placeholder 2">
-            <a:extLst>
-              <a:ext uri="{FF2B5EF4-FFF2-40B4-BE49-F238E27FC236}">
-                <a16:creationId xmlns:a16="http://schemas.microsoft.com/office/drawing/2014/main" id="{EA9C703B-4B27-A646-AAE9-B76ED4EFD151}"/>
+      <mc:AlternateContent xmlns:mc="http://schemas.openxmlformats.org/markup-compatibility/2006">
+        <mc:Choice xmlns:a14="http://schemas.microsoft.com/office/drawing/2010/main" Requires="a14">
+          <p:sp>
+            <p:nvSpPr>
+              <p:cNvPr id="4" name="Text Placeholder 3">
+                <a:extLst>
+                  <a:ext uri="{FF2B5EF4-FFF2-40B4-BE49-F238E27FC236}">
+                    <a16:creationId xmlns:a16="http://schemas.microsoft.com/office/drawing/2014/main" id="{55E12506-6DDB-CF4F-B87E-6FB0F6EA642C}"/>
+                  </a:ext>
+                </a:extLst>
+              </p:cNvPr>
+              <p:cNvSpPr>
+                <a:spLocks noGrp="1"/>
+              </p:cNvSpPr>
+              <p:nvPr>
+                <p:ph type="body" sz="half" idx="2"/>
+              </p:nvPr>
+            </p:nvSpPr>
+            <p:spPr>
+              <a:xfrm>
+                <a:off x="839788" y="2057400"/>
+                <a:ext cx="3932237" cy="4111580"/>
+              </a:xfrm>
+            </p:spPr>
+            <p:txBody>
+              <a:bodyPr/>
+              <a:lstStyle/>
+              <a:p>
+                <a:r>
+                  <a:rPr lang="en-US" dirty="0"/>
+                  <a:t>How can we randomly determine who starts the game?</a:t>
+                </a:r>
+              </a:p>
+              <a:p>
+                <a:r>
+                  <a:rPr lang="en-US" dirty="0"/>
+                  <a:t>How can we randomly assign the first two blocks to a position in the grid?</a:t>
+                </a:r>
+              </a:p>
+              <a:p>
+                <a:pPr>
+                  <a:spcBef>
+                    <a:spcPts val="1600"/>
+                  </a:spcBef>
+                </a:pPr>
+                <a:r>
+                  <a:rPr lang="en-US" dirty="0"/>
+                  <a:t>Explanation:</a:t>
+                </a:r>
+              </a:p>
+              <a:p>
+                <a:pPr marL="285750" indent="-285750">
+                  <a:buFont typeface="Wingdings" pitchFamily="2" charset="2"/>
+                  <a:buChar char="Ø"/>
+                </a:pPr>
+                <a:r>
+                  <a:rPr lang="en-US" dirty="0">
+                    <a:highlight>
+                      <a:srgbClr val="FFFF00"/>
+                    </a:highlight>
+                  </a:rPr>
+                  <a:t>Use block hash of block when player 2 joins and miners address to get a (semi-) random seed</a:t>
+                </a:r>
+              </a:p>
+              <a:p>
+                <a:pPr marL="285750" indent="-285750">
+                  <a:spcAft>
+                    <a:spcPts val="600"/>
+                  </a:spcAft>
+                  <a:buFont typeface="Wingdings" pitchFamily="2" charset="2"/>
+                  <a:buChar char="Ø"/>
+                </a:pPr>
+                <a:r>
+                  <a:rPr lang="en-US" dirty="0">
+                    <a:highlight>
+                      <a:srgbClr val="00FF00"/>
+                    </a:highlight>
+                  </a:rPr>
+                  <a:t>Determine n pseudo random numbers using the random seed by applying this formula:</a:t>
+                </a:r>
+                <a:r>
+                  <a:rPr lang="en-US" dirty="0"/>
+                  <a:t> </a:t>
+                </a:r>
+                <a:endParaRPr lang="de-CH" i="1" dirty="0">
+                  <a:latin typeface="Cambria Math" panose="02040503050406030204" pitchFamily="18" charset="0"/>
+                </a:endParaRPr>
+              </a:p>
+              <a:p>
+                <a:pPr>
+                  <a:spcBef>
+                    <a:spcPts val="1600"/>
+                  </a:spcBef>
+                </a:pPr>
+                <a14:m>
+                  <m:oMathPara xmlns:m="http://schemas.openxmlformats.org/officeDocument/2006/math">
+                    <m:oMathParaPr>
+                      <m:jc m:val="centerGroup"/>
+                    </m:oMathParaPr>
+                    <m:oMath xmlns:m="http://schemas.openxmlformats.org/officeDocument/2006/math">
+                      <m:sSub>
+                        <m:sSubPr>
+                          <m:ctrlPr>
+                            <a:rPr lang="de-CH" i="1">
+                              <a:latin typeface="Cambria Math" panose="02040503050406030204" pitchFamily="18" charset="0"/>
+                            </a:rPr>
+                          </m:ctrlPr>
+                        </m:sSubPr>
+                        <m:e>
+                          <m:r>
+                            <a:rPr lang="de-CH" i="1">
+                              <a:latin typeface="Cambria Math" panose="02040503050406030204" pitchFamily="18" charset="0"/>
+                            </a:rPr>
+                            <m:t>𝑥</m:t>
+                          </m:r>
+                        </m:e>
+                        <m:sub>
+                          <m:r>
+                            <a:rPr lang="de-CH" i="1">
+                              <a:latin typeface="Cambria Math" panose="02040503050406030204" pitchFamily="18" charset="0"/>
+                            </a:rPr>
+                            <m:t>𝑛</m:t>
+                          </m:r>
+                          <m:r>
+                            <a:rPr lang="de-CH" i="1">
+                              <a:latin typeface="Cambria Math" panose="02040503050406030204" pitchFamily="18" charset="0"/>
+                            </a:rPr>
+                            <m:t>+1</m:t>
+                          </m:r>
+                        </m:sub>
+                      </m:sSub>
+                      <m:r>
+                        <a:rPr lang="de-DE" dirty="0">
+                          <a:latin typeface="Cambria Math" panose="02040503050406030204" pitchFamily="18" charset="0"/>
+                          <a:ea typeface="Cambria Math" panose="02040503050406030204" pitchFamily="18" charset="0"/>
+                        </a:rPr>
+                        <m:t>=</m:t>
+                      </m:r>
+                      <m:r>
+                        <a:rPr lang="de-CH" dirty="0">
+                          <a:latin typeface="Cambria Math" panose="02040503050406030204" pitchFamily="18" charset="0"/>
+                          <a:ea typeface="Cambria Math" panose="02040503050406030204" pitchFamily="18" charset="0"/>
+                        </a:rPr>
+                        <m:t>(</m:t>
+                      </m:r>
+                      <m:r>
+                        <a:rPr lang="de-CH" i="1" dirty="0">
+                          <a:latin typeface="Cambria Math" panose="02040503050406030204" pitchFamily="18" charset="0"/>
+                          <a:ea typeface="Cambria Math" panose="02040503050406030204" pitchFamily="18" charset="0"/>
+                        </a:rPr>
+                        <m:t>𝑎</m:t>
+                      </m:r>
+                      <m:r>
+                        <a:rPr lang="de-CH" i="1" dirty="0">
+                          <a:latin typeface="Cambria Math" panose="02040503050406030204" pitchFamily="18" charset="0"/>
+                          <a:ea typeface="Cambria Math" panose="02040503050406030204" pitchFamily="18" charset="0"/>
+                        </a:rPr>
+                        <m:t> × </m:t>
+                      </m:r>
+                      <m:sSub>
+                        <m:sSubPr>
+                          <m:ctrlPr>
+                            <a:rPr lang="de-CH" i="1" dirty="0">
+                              <a:latin typeface="Cambria Math" panose="02040503050406030204" pitchFamily="18" charset="0"/>
+                              <a:ea typeface="Cambria Math" panose="02040503050406030204" pitchFamily="18" charset="0"/>
+                            </a:rPr>
+                          </m:ctrlPr>
+                        </m:sSubPr>
+                        <m:e>
+                          <m:r>
+                            <a:rPr lang="de-CH" i="1" dirty="0">
+                              <a:latin typeface="Cambria Math" panose="02040503050406030204" pitchFamily="18" charset="0"/>
+                              <a:ea typeface="Cambria Math" panose="02040503050406030204" pitchFamily="18" charset="0"/>
+                            </a:rPr>
+                            <m:t>𝑥</m:t>
+                          </m:r>
+                        </m:e>
+                        <m:sub>
+                          <m:r>
+                            <a:rPr lang="de-CH" i="1" dirty="0">
+                              <a:latin typeface="Cambria Math" panose="02040503050406030204" pitchFamily="18" charset="0"/>
+                              <a:ea typeface="Cambria Math" panose="02040503050406030204" pitchFamily="18" charset="0"/>
+                            </a:rPr>
+                            <m:t>𝑛</m:t>
+                          </m:r>
+                        </m:sub>
+                      </m:sSub>
+                      <m:r>
+                        <a:rPr lang="de-CH" i="1" dirty="0">
+                          <a:latin typeface="Cambria Math" panose="02040503050406030204" pitchFamily="18" charset="0"/>
+                          <a:ea typeface="Cambria Math" panose="02040503050406030204" pitchFamily="18" charset="0"/>
+                        </a:rPr>
+                        <m:t>+</m:t>
+                      </m:r>
+                      <m:r>
+                        <a:rPr lang="de-CH" i="1" dirty="0">
+                          <a:latin typeface="Cambria Math" panose="02040503050406030204" pitchFamily="18" charset="0"/>
+                          <a:ea typeface="Cambria Math" panose="02040503050406030204" pitchFamily="18" charset="0"/>
+                        </a:rPr>
+                        <m:t>𝑐</m:t>
+                      </m:r>
+                      <m:r>
+                        <a:rPr lang="de-CH" i="1" dirty="0">
+                          <a:latin typeface="Cambria Math" panose="02040503050406030204" pitchFamily="18" charset="0"/>
+                          <a:ea typeface="Cambria Math" panose="02040503050406030204" pitchFamily="18" charset="0"/>
+                        </a:rPr>
+                        <m:t>) </m:t>
+                      </m:r>
+                      <m:r>
+                        <m:rPr>
+                          <m:sty m:val="p"/>
+                        </m:rPr>
+                        <a:rPr lang="de-CH" dirty="0">
+                          <a:latin typeface="Cambria Math" panose="02040503050406030204" pitchFamily="18" charset="0"/>
+                          <a:ea typeface="Cambria Math" panose="02040503050406030204" pitchFamily="18" charset="0"/>
+                        </a:rPr>
+                        <m:t>mod</m:t>
+                      </m:r>
+                      <m:r>
+                        <a:rPr lang="de-CH" dirty="0">
+                          <a:latin typeface="Cambria Math" panose="02040503050406030204" pitchFamily="18" charset="0"/>
+                          <a:ea typeface="Cambria Math" panose="02040503050406030204" pitchFamily="18" charset="0"/>
+                        </a:rPr>
+                        <m:t> </m:t>
+                      </m:r>
+                      <m:r>
+                        <a:rPr lang="de-CH" i="1" dirty="0">
+                          <a:latin typeface="Cambria Math" panose="02040503050406030204" pitchFamily="18" charset="0"/>
+                          <a:ea typeface="Cambria Math" panose="02040503050406030204" pitchFamily="18" charset="0"/>
+                        </a:rPr>
+                        <m:t>𝑚</m:t>
+                      </m:r>
+                    </m:oMath>
+                  </m:oMathPara>
+                </a14:m>
+                <a:endParaRPr lang="en-US" i="1" dirty="0">
+                  <a:solidFill>
+                    <a:srgbClr val="FF0000"/>
+                  </a:solidFill>
+                </a:endParaRPr>
+              </a:p>
+              <a:p>
+                <a:pPr>
+                  <a:spcBef>
+                    <a:spcPts val="600"/>
+                  </a:spcBef>
+                </a:pPr>
+                <a:r>
+                  <a:rPr lang="en-US" dirty="0"/>
+                  <a:t>      with </a:t>
+                </a:r>
+                <a14:m>
+                  <m:oMath xmlns:m="http://schemas.openxmlformats.org/officeDocument/2006/math">
+                    <m:sSub>
+                      <m:sSubPr>
+                        <m:ctrlPr>
+                          <a:rPr lang="en-US" i="1" smtClean="0">
+                            <a:latin typeface="Cambria Math" panose="02040503050406030204" pitchFamily="18" charset="0"/>
+                          </a:rPr>
+                        </m:ctrlPr>
+                      </m:sSubPr>
+                      <m:e>
+                        <m:r>
+                          <a:rPr lang="de-CH" b="0" i="1" smtClean="0">
+                            <a:latin typeface="Cambria Math" panose="02040503050406030204" pitchFamily="18" charset="0"/>
+                          </a:rPr>
+                          <m:t>𝑥</m:t>
+                        </m:r>
+                      </m:e>
+                      <m:sub>
+                        <m:r>
+                          <a:rPr lang="de-CH" b="0" i="1" smtClean="0">
+                            <a:latin typeface="Cambria Math" panose="02040503050406030204" pitchFamily="18" charset="0"/>
+                          </a:rPr>
+                          <m:t>0</m:t>
+                        </m:r>
+                      </m:sub>
+                    </m:sSub>
+                    <m:r>
+                      <a:rPr lang="de-CH" b="0" i="1" smtClean="0">
+                        <a:latin typeface="Cambria Math" panose="02040503050406030204" pitchFamily="18" charset="0"/>
+                      </a:rPr>
+                      <m:t>=</m:t>
+                    </m:r>
+                    <m:r>
+                      <a:rPr lang="de-CH" b="0" i="1" smtClean="0">
+                        <a:latin typeface="Cambria Math" panose="02040503050406030204" pitchFamily="18" charset="0"/>
+                      </a:rPr>
+                      <m:t>𝑟𝑎𝑛𝑑𝑜𝑚</m:t>
+                    </m:r>
+                    <m:r>
+                      <a:rPr lang="de-CH" b="0" i="1" smtClean="0">
+                        <a:latin typeface="Cambria Math" panose="02040503050406030204" pitchFamily="18" charset="0"/>
+                      </a:rPr>
+                      <m:t> </m:t>
+                    </m:r>
+                    <m:r>
+                      <a:rPr lang="de-CH" b="0" i="1" smtClean="0">
+                        <a:latin typeface="Cambria Math" panose="02040503050406030204" pitchFamily="18" charset="0"/>
+                      </a:rPr>
+                      <m:t>𝑠𝑒𝑒𝑑</m:t>
+                    </m:r>
+                  </m:oMath>
+                </a14:m>
+                <a:r>
+                  <a:rPr lang="en-US" dirty="0"/>
+                  <a:t>, </a:t>
+                </a:r>
+                <a14:m>
+                  <m:oMath xmlns:m="http://schemas.openxmlformats.org/officeDocument/2006/math">
+                    <m:r>
+                      <a:rPr lang="de-CH" b="0" i="1" smtClean="0">
+                        <a:latin typeface="Cambria Math" panose="02040503050406030204" pitchFamily="18" charset="0"/>
+                      </a:rPr>
+                      <m:t>𝑎</m:t>
+                    </m:r>
+                    <m:r>
+                      <a:rPr lang="de-CH" b="0" i="1" smtClean="0">
+                        <a:latin typeface="Cambria Math" panose="02040503050406030204" pitchFamily="18" charset="0"/>
+                      </a:rPr>
+                      <m:t>=48271</m:t>
+                    </m:r>
+                  </m:oMath>
+                </a14:m>
+                <a:r>
+                  <a:rPr lang="en-US" dirty="0"/>
+                  <a:t>,</a:t>
+                </a:r>
+              </a:p>
+              <a:p>
+                <a:pPr>
+                  <a:spcBef>
+                    <a:spcPts val="0"/>
+                  </a:spcBef>
+                </a:pPr>
+                <a:r>
+                  <a:rPr lang="en-US" dirty="0"/>
+                  <a:t>      </a:t>
+                </a:r>
+                <a14:m>
+                  <m:oMath xmlns:m="http://schemas.openxmlformats.org/officeDocument/2006/math">
+                    <m:r>
+                      <a:rPr lang="de-CH" b="0" i="1" smtClean="0">
+                        <a:latin typeface="Cambria Math" panose="02040503050406030204" pitchFamily="18" charset="0"/>
+                      </a:rPr>
+                      <m:t>𝑐</m:t>
+                    </m:r>
+                    <m:r>
+                      <a:rPr lang="de-CH" b="0" i="1" smtClean="0">
+                        <a:latin typeface="Cambria Math" panose="02040503050406030204" pitchFamily="18" charset="0"/>
+                      </a:rPr>
+                      <m:t>=0</m:t>
+                    </m:r>
+                  </m:oMath>
+                </a14:m>
+                <a:r>
+                  <a:rPr lang="en-US" dirty="0"/>
+                  <a:t> and </a:t>
+                </a:r>
+                <a14:m>
+                  <m:oMath xmlns:m="http://schemas.openxmlformats.org/officeDocument/2006/math">
+                    <m:r>
+                      <a:rPr lang="de-CH" b="0" i="1" smtClean="0">
+                        <a:latin typeface="Cambria Math" panose="02040503050406030204" pitchFamily="18" charset="0"/>
+                      </a:rPr>
+                      <m:t>𝑚</m:t>
+                    </m:r>
+                    <m:r>
+                      <a:rPr lang="de-CH" b="0" i="1" smtClean="0">
+                        <a:latin typeface="Cambria Math" panose="02040503050406030204" pitchFamily="18" charset="0"/>
+                      </a:rPr>
+                      <m:t>= </m:t>
+                    </m:r>
+                    <m:sSup>
+                      <m:sSupPr>
+                        <m:ctrlPr>
+                          <a:rPr lang="de-CH" b="0" i="1" smtClean="0">
+                            <a:latin typeface="Cambria Math" panose="02040503050406030204" pitchFamily="18" charset="0"/>
+                          </a:rPr>
+                        </m:ctrlPr>
+                      </m:sSupPr>
+                      <m:e>
+                        <m:r>
+                          <a:rPr lang="de-CH" b="0" i="1" smtClean="0">
+                            <a:latin typeface="Cambria Math" panose="02040503050406030204" pitchFamily="18" charset="0"/>
+                          </a:rPr>
+                          <m:t>2</m:t>
+                        </m:r>
+                      </m:e>
+                      <m:sup>
+                        <m:r>
+                          <a:rPr lang="de-CH" b="0" i="1" smtClean="0">
+                            <a:latin typeface="Cambria Math" panose="02040503050406030204" pitchFamily="18" charset="0"/>
+                          </a:rPr>
+                          <m:t>32</m:t>
+                        </m:r>
+                      </m:sup>
+                    </m:sSup>
+                  </m:oMath>
+                </a14:m>
+                <a:endParaRPr lang="en-US" dirty="0">
+                  <a:highlight>
+                    <a:srgbClr val="00FF00"/>
+                  </a:highlight>
+                </a:endParaRPr>
+              </a:p>
+              <a:p>
+                <a:endParaRPr lang="en-US" dirty="0">
+                  <a:highlight>
+                    <a:srgbClr val="00FF00"/>
+                  </a:highlight>
+                </a:endParaRPr>
+              </a:p>
+            </p:txBody>
+          </p:sp>
+        </mc:Choice>
+        <mc:Fallback>
+          <p:sp>
+            <p:nvSpPr>
+              <p:cNvPr id="4" name="Text Placeholder 3">
+                <a:extLst>
+                  <a:ext uri="{FF2B5EF4-FFF2-40B4-BE49-F238E27FC236}">
+                    <a16:creationId xmlns:a16="http://schemas.microsoft.com/office/drawing/2014/main" id="{55E12506-6DDB-CF4F-B87E-6FB0F6EA642C}"/>
+                  </a:ext>
+                </a:extLst>
+              </p:cNvPr>
+              <p:cNvSpPr>
+                <a:spLocks noGrp="1" noRot="1" noChangeAspect="1" noMove="1" noResize="1" noEditPoints="1" noAdjustHandles="1" noChangeArrowheads="1" noChangeShapeType="1" noTextEdit="1"/>
+              </p:cNvSpPr>
+              <p:nvPr>
+                <p:ph type="body" sz="half" idx="2"/>
+              </p:nvPr>
+            </p:nvSpPr>
+            <p:spPr>
+              <a:xfrm>
+                <a:off x="839788" y="2057400"/>
+                <a:ext cx="3932237" cy="4111580"/>
+              </a:xfrm>
+              <a:blipFill>
+                <a:blip r:embed="rId2"/>
+                <a:stretch>
+                  <a:fillRect l="-643" t="-923"/>
+                </a:stretch>
+              </a:blipFill>
+            </p:spPr>
+            <p:txBody>
+              <a:bodyPr/>
+              <a:lstStyle/>
+              <a:p>
+                <a:r>
+                  <a:rPr lang="de-DE">
+                    <a:noFill/>
+                  </a:rPr>
+                  <a:t> </a:t>
+                </a:r>
+              </a:p>
+            </p:txBody>
+          </p:sp>
+        </mc:Fallback>
+      </mc:AlternateContent>
+      <p:sp>
+        <p:nvSpPr>
+          <p:cNvPr id="5" name="Content Placeholder 2">
+            <a:extLst>
+              <a:ext uri="{FF2B5EF4-FFF2-40B4-BE49-F238E27FC236}">
+                <a16:creationId xmlns:a16="http://schemas.microsoft.com/office/drawing/2014/main" id="{638C8D61-96C1-2642-AAC4-E479EECD935C}"/>
               </a:ext>
             </a:extLst>
           </p:cNvPr>
@@ -4236,52 +4959,706 @@
             <p:ph idx="1"/>
           </p:nvPr>
         </p:nvSpPr>
-        <p:spPr/>
-        <p:txBody>
-          <a:bodyPr/>
-          <a:lstStyle/>
-          <a:p>
-            <a:r>
-              <a:rPr lang="en-US" dirty="0"/>
-              <a:t>Code</a:t>
-            </a:r>
-          </a:p>
-        </p:txBody>
-      </p:sp>
-      <p:sp>
-        <p:nvSpPr>
-          <p:cNvPr id="4" name="Text Placeholder 3">
-            <a:extLst>
-              <a:ext uri="{FF2B5EF4-FFF2-40B4-BE49-F238E27FC236}">
-                <a16:creationId xmlns:a16="http://schemas.microsoft.com/office/drawing/2014/main" id="{55E12506-6DDB-CF4F-B87E-6FB0F6EA642C}"/>
-              </a:ext>
-            </a:extLst>
-          </p:cNvPr>
-          <p:cNvSpPr>
-            <a:spLocks noGrp="1"/>
-          </p:cNvSpPr>
-          <p:nvPr>
-            <p:ph type="body" sz="half" idx="2"/>
-          </p:nvPr>
-        </p:nvSpPr>
-        <p:spPr/>
-        <p:txBody>
-          <a:bodyPr/>
-          <a:lstStyle/>
-          <a:p>
-            <a:r>
-              <a:rPr lang="en-US" dirty="0"/>
-              <a:t>How can we randomly assign the first two blocks to a position in the grid?</a:t>
-            </a:r>
-          </a:p>
-          <a:p>
-            <a:endParaRPr lang="en-US" dirty="0"/>
-          </a:p>
-          <a:p>
-            <a:r>
-              <a:rPr lang="en-US" dirty="0"/>
-              <a:t>Explanation:</a:t>
-            </a:r>
+        <p:spPr>
+          <a:xfrm>
+            <a:off x="5183187" y="987425"/>
+            <a:ext cx="7340621" cy="4873625"/>
+          </a:xfrm>
+        </p:spPr>
+        <p:txBody>
+          <a:bodyPr>
+            <a:normAutofit/>
+          </a:bodyPr>
+          <a:lstStyle/>
+          <a:p>
+            <a:pPr marL="0" indent="0">
+              <a:buNone/>
+            </a:pPr>
+            <a:r>
+              <a:rPr lang="de-CH" sz="1400" dirty="0">
+                <a:solidFill>
+                  <a:srgbClr val="24292E"/>
+                </a:solidFill>
+                <a:latin typeface="Courier" pitchFamily="2" charset="0"/>
+              </a:rPr>
+              <a:t>player2JoinBlockNumber = </a:t>
+            </a:r>
+            <a:r>
+              <a:rPr lang="de-CH" sz="1400" dirty="0" err="1">
+                <a:solidFill>
+                  <a:srgbClr val="24292E"/>
+                </a:solidFill>
+                <a:latin typeface="Courier" pitchFamily="2" charset="0"/>
+              </a:rPr>
+              <a:t>block.number</a:t>
+            </a:r>
+            <a:r>
+              <a:rPr lang="de-CH" sz="1400" dirty="0">
+                <a:solidFill>
+                  <a:srgbClr val="24292E"/>
+                </a:solidFill>
+                <a:latin typeface="Courier" pitchFamily="2" charset="0"/>
+              </a:rPr>
+              <a:t>; // </a:t>
+            </a:r>
+            <a:r>
+              <a:rPr lang="de-CH" sz="1400" dirty="0" err="1">
+                <a:solidFill>
+                  <a:srgbClr val="24292E"/>
+                </a:solidFill>
+                <a:latin typeface="Courier" pitchFamily="2" charset="0"/>
+              </a:rPr>
+              <a:t>when</a:t>
+            </a:r>
+            <a:r>
+              <a:rPr lang="de-CH" sz="1400" dirty="0">
+                <a:solidFill>
+                  <a:srgbClr val="24292E"/>
+                </a:solidFill>
+                <a:latin typeface="Courier" pitchFamily="2" charset="0"/>
+              </a:rPr>
+              <a:t> </a:t>
+            </a:r>
+            <a:r>
+              <a:rPr lang="de-CH" sz="1400" dirty="0" err="1">
+                <a:solidFill>
+                  <a:srgbClr val="24292E"/>
+                </a:solidFill>
+                <a:latin typeface="Courier" pitchFamily="2" charset="0"/>
+              </a:rPr>
+              <a:t>player</a:t>
+            </a:r>
+            <a:r>
+              <a:rPr lang="de-CH" sz="1400" dirty="0">
+                <a:solidFill>
+                  <a:srgbClr val="24292E"/>
+                </a:solidFill>
+                <a:latin typeface="Courier" pitchFamily="2" charset="0"/>
+              </a:rPr>
+              <a:t> 2 </a:t>
+            </a:r>
+            <a:r>
+              <a:rPr lang="de-CH" sz="1400" dirty="0" err="1">
+                <a:solidFill>
+                  <a:srgbClr val="24292E"/>
+                </a:solidFill>
+                <a:latin typeface="Courier" pitchFamily="2" charset="0"/>
+              </a:rPr>
+              <a:t>joins</a:t>
+            </a:r>
+            <a:endParaRPr lang="de-CH" sz="1400" dirty="0">
+              <a:solidFill>
+                <a:srgbClr val="24292E"/>
+              </a:solidFill>
+              <a:latin typeface="Courier" pitchFamily="2" charset="0"/>
+            </a:endParaRPr>
+          </a:p>
+          <a:p>
+            <a:pPr marL="0" indent="0">
+              <a:buNone/>
+            </a:pPr>
+            <a:r>
+              <a:rPr lang="de-CH" sz="1400" dirty="0">
+                <a:solidFill>
+                  <a:srgbClr val="24292E"/>
+                </a:solidFill>
+                <a:latin typeface="Courier" pitchFamily="2" charset="0"/>
+              </a:rPr>
+              <a:t>player2JoinBlockHash = </a:t>
+            </a:r>
+            <a:r>
+              <a:rPr lang="de-CH" sz="1400" dirty="0" err="1">
+                <a:solidFill>
+                  <a:srgbClr val="24292E"/>
+                </a:solidFill>
+                <a:latin typeface="Courier" pitchFamily="2" charset="0"/>
+              </a:rPr>
+              <a:t>blockhash</a:t>
+            </a:r>
+            <a:r>
+              <a:rPr lang="de-CH" sz="1400" dirty="0">
+                <a:solidFill>
+                  <a:srgbClr val="24292E"/>
+                </a:solidFill>
+                <a:latin typeface="Courier" pitchFamily="2" charset="0"/>
+              </a:rPr>
+              <a:t>(player2JoinBlockNumber);</a:t>
+            </a:r>
+          </a:p>
+          <a:p>
+            <a:pPr marL="0" indent="0">
+              <a:buNone/>
+            </a:pPr>
+            <a:r>
+              <a:rPr lang="de-CH" sz="1400" dirty="0" err="1">
+                <a:solidFill>
+                  <a:srgbClr val="24292E"/>
+                </a:solidFill>
+                <a:latin typeface="Courier" pitchFamily="2" charset="0"/>
+              </a:rPr>
+              <a:t>startCoinbase</a:t>
+            </a:r>
+            <a:r>
+              <a:rPr lang="de-CH" sz="1400" dirty="0">
+                <a:solidFill>
+                  <a:srgbClr val="24292E"/>
+                </a:solidFill>
+                <a:latin typeface="Courier" pitchFamily="2" charset="0"/>
+              </a:rPr>
+              <a:t> = </a:t>
+            </a:r>
+            <a:r>
+              <a:rPr lang="de-CH" sz="1400" dirty="0" err="1">
+                <a:solidFill>
+                  <a:srgbClr val="24292E"/>
+                </a:solidFill>
+                <a:latin typeface="Courier" pitchFamily="2" charset="0"/>
+              </a:rPr>
+              <a:t>block.coinbase</a:t>
+            </a:r>
+            <a:r>
+              <a:rPr lang="de-CH" sz="1400" dirty="0">
+                <a:solidFill>
+                  <a:srgbClr val="24292E"/>
+                </a:solidFill>
+                <a:latin typeface="Courier" pitchFamily="2" charset="0"/>
+              </a:rPr>
+              <a:t>; </a:t>
+            </a:r>
+          </a:p>
+          <a:p>
+            <a:pPr marL="0" indent="0">
+              <a:buNone/>
+            </a:pPr>
+            <a:r>
+              <a:rPr lang="de-CH" sz="1400" dirty="0">
+                <a:solidFill>
+                  <a:srgbClr val="24292E"/>
+                </a:solidFill>
+                <a:latin typeface="Courier" pitchFamily="2" charset="0"/>
+              </a:rPr>
+              <a:t>// </a:t>
+            </a:r>
+            <a:r>
+              <a:rPr lang="de-CH" sz="1400" dirty="0" err="1">
+                <a:solidFill>
+                  <a:srgbClr val="24292E"/>
+                </a:solidFill>
+                <a:latin typeface="Courier" pitchFamily="2" charset="0"/>
+              </a:rPr>
+              <a:t>Miner’s</a:t>
+            </a:r>
+            <a:r>
+              <a:rPr lang="de-CH" sz="1400" dirty="0">
+                <a:solidFill>
+                  <a:srgbClr val="24292E"/>
+                </a:solidFill>
+                <a:latin typeface="Courier" pitchFamily="2" charset="0"/>
+              </a:rPr>
+              <a:t> </a:t>
+            </a:r>
+            <a:r>
+              <a:rPr lang="de-CH" sz="1400" dirty="0" err="1">
+                <a:solidFill>
+                  <a:srgbClr val="24292E"/>
+                </a:solidFill>
+                <a:latin typeface="Courier" pitchFamily="2" charset="0"/>
+              </a:rPr>
+              <a:t>address</a:t>
+            </a:r>
+            <a:r>
+              <a:rPr lang="de-CH" sz="1400" dirty="0">
+                <a:solidFill>
+                  <a:srgbClr val="24292E"/>
+                </a:solidFill>
+                <a:latin typeface="Courier" pitchFamily="2" charset="0"/>
+              </a:rPr>
+              <a:t> </a:t>
+            </a:r>
+            <a:r>
+              <a:rPr lang="de-CH" sz="1400" dirty="0" err="1">
+                <a:solidFill>
+                  <a:srgbClr val="24292E"/>
+                </a:solidFill>
+                <a:latin typeface="Courier" pitchFamily="2" charset="0"/>
+              </a:rPr>
+              <a:t>of</a:t>
+            </a:r>
+            <a:r>
+              <a:rPr lang="de-CH" sz="1400" dirty="0">
+                <a:solidFill>
+                  <a:srgbClr val="24292E"/>
+                </a:solidFill>
+                <a:latin typeface="Courier" pitchFamily="2" charset="0"/>
+              </a:rPr>
+              <a:t> block </a:t>
+            </a:r>
+            <a:r>
+              <a:rPr lang="de-CH" sz="1400" dirty="0" err="1">
+                <a:solidFill>
+                  <a:srgbClr val="24292E"/>
+                </a:solidFill>
+                <a:latin typeface="Courier" pitchFamily="2" charset="0"/>
+              </a:rPr>
+              <a:t>when</a:t>
+            </a:r>
+            <a:r>
+              <a:rPr lang="de-CH" sz="1400" dirty="0">
+                <a:solidFill>
+                  <a:srgbClr val="24292E"/>
+                </a:solidFill>
+                <a:latin typeface="Courier" pitchFamily="2" charset="0"/>
+              </a:rPr>
+              <a:t> </a:t>
+            </a:r>
+            <a:r>
+              <a:rPr lang="de-CH" sz="1400" dirty="0" err="1">
+                <a:solidFill>
+                  <a:srgbClr val="24292E"/>
+                </a:solidFill>
+                <a:latin typeface="Courier" pitchFamily="2" charset="0"/>
+              </a:rPr>
+              <a:t>game</a:t>
+            </a:r>
+            <a:r>
+              <a:rPr lang="de-CH" sz="1400" dirty="0">
+                <a:solidFill>
+                  <a:srgbClr val="24292E"/>
+                </a:solidFill>
+                <a:latin typeface="Courier" pitchFamily="2" charset="0"/>
+              </a:rPr>
+              <a:t> </a:t>
+            </a:r>
+            <a:r>
+              <a:rPr lang="de-CH" sz="1400" dirty="0" err="1">
+                <a:solidFill>
+                  <a:srgbClr val="24292E"/>
+                </a:solidFill>
+                <a:latin typeface="Courier" pitchFamily="2" charset="0"/>
+              </a:rPr>
+              <a:t>starts</a:t>
+            </a:r>
+            <a:endParaRPr lang="de-CH" sz="1400" dirty="0">
+              <a:solidFill>
+                <a:srgbClr val="24292E"/>
+              </a:solidFill>
+              <a:latin typeface="Courier" pitchFamily="2" charset="0"/>
+            </a:endParaRPr>
+          </a:p>
+          <a:p>
+            <a:pPr marL="0" indent="0">
+              <a:buNone/>
+            </a:pPr>
+            <a:r>
+              <a:rPr lang="de-CH" sz="1400" dirty="0">
+                <a:solidFill>
+                  <a:srgbClr val="24292E"/>
+                </a:solidFill>
+                <a:latin typeface="Courier" pitchFamily="2" charset="0"/>
+              </a:rPr>
+              <a:t>[...]</a:t>
+            </a:r>
+          </a:p>
+          <a:p>
+            <a:pPr marL="0" indent="0">
+              <a:buNone/>
+            </a:pPr>
+            <a:r>
+              <a:rPr lang="de-CH" sz="1400" dirty="0" err="1">
+                <a:solidFill>
+                  <a:srgbClr val="24292E"/>
+                </a:solidFill>
+                <a:highlight>
+                  <a:srgbClr val="FFFF00"/>
+                </a:highlight>
+                <a:latin typeface="Courier" pitchFamily="2" charset="0"/>
+              </a:rPr>
+              <a:t>currentRandomNumber</a:t>
+            </a:r>
+            <a:r>
+              <a:rPr lang="de-CH" sz="1400" dirty="0">
+                <a:solidFill>
+                  <a:srgbClr val="24292E"/>
+                </a:solidFill>
+                <a:highlight>
+                  <a:srgbClr val="FFFF00"/>
+                </a:highlight>
+                <a:latin typeface="Courier" pitchFamily="2" charset="0"/>
+              </a:rPr>
+              <a:t> = </a:t>
+            </a:r>
+            <a:r>
+              <a:rPr lang="de-CH" sz="1400" dirty="0" err="1">
+                <a:solidFill>
+                  <a:srgbClr val="24292E"/>
+                </a:solidFill>
+                <a:highlight>
+                  <a:srgbClr val="FFFF00"/>
+                </a:highlight>
+                <a:latin typeface="Courier" pitchFamily="2" charset="0"/>
+              </a:rPr>
+              <a:t>uint</a:t>
+            </a:r>
+            <a:r>
+              <a:rPr lang="de-CH" sz="1400" dirty="0">
+                <a:solidFill>
+                  <a:srgbClr val="24292E"/>
+                </a:solidFill>
+                <a:highlight>
+                  <a:srgbClr val="FFFF00"/>
+                </a:highlight>
+                <a:latin typeface="Courier" pitchFamily="2" charset="0"/>
+              </a:rPr>
+              <a:t>( player2JoinBlockHash ^ bytes32(uint256(</a:t>
+            </a:r>
+            <a:r>
+              <a:rPr lang="de-CH" sz="1400" dirty="0" err="1">
+                <a:solidFill>
+                  <a:srgbClr val="24292E"/>
+                </a:solidFill>
+                <a:highlight>
+                  <a:srgbClr val="FFFF00"/>
+                </a:highlight>
+                <a:latin typeface="Courier" pitchFamily="2" charset="0"/>
+              </a:rPr>
+              <a:t>startCoinbase</a:t>
+            </a:r>
+            <a:r>
+              <a:rPr lang="de-CH" sz="1400" dirty="0">
+                <a:solidFill>
+                  <a:srgbClr val="24292E"/>
+                </a:solidFill>
+                <a:highlight>
+                  <a:srgbClr val="FFFF00"/>
+                </a:highlight>
+                <a:latin typeface="Courier" pitchFamily="2" charset="0"/>
+              </a:rPr>
+              <a:t>) &lt;&lt; 96) );</a:t>
+            </a:r>
+          </a:p>
+          <a:p>
+            <a:pPr marL="0" indent="0">
+              <a:buNone/>
+            </a:pPr>
+            <a:r>
+              <a:rPr lang="de-CH" sz="1400" dirty="0">
+                <a:solidFill>
+                  <a:srgbClr val="24292E"/>
+                </a:solidFill>
+                <a:latin typeface="Courier" pitchFamily="2" charset="0"/>
+              </a:rPr>
+              <a:t>[...]</a:t>
+            </a:r>
+          </a:p>
+          <a:p>
+            <a:pPr marL="0" indent="0">
+              <a:buNone/>
+            </a:pPr>
+            <a:r>
+              <a:rPr lang="de-CH" sz="1400" dirty="0" err="1">
+                <a:solidFill>
+                  <a:srgbClr val="24292E"/>
+                </a:solidFill>
+                <a:latin typeface="Courier" pitchFamily="2" charset="0"/>
+              </a:rPr>
+              <a:t>function</a:t>
+            </a:r>
+            <a:r>
+              <a:rPr lang="de-CH" sz="1400" dirty="0">
+                <a:solidFill>
+                  <a:srgbClr val="24292E"/>
+                </a:solidFill>
+                <a:latin typeface="Courier" pitchFamily="2" charset="0"/>
+              </a:rPr>
+              <a:t> </a:t>
+            </a:r>
+            <a:r>
+              <a:rPr lang="de-CH" sz="1400" dirty="0" err="1">
+                <a:solidFill>
+                  <a:srgbClr val="24292E"/>
+                </a:solidFill>
+                <a:latin typeface="Courier" pitchFamily="2" charset="0"/>
+              </a:rPr>
+              <a:t>rand</a:t>
+            </a:r>
+            <a:r>
+              <a:rPr lang="de-CH" sz="1400" dirty="0">
+                <a:solidFill>
+                  <a:srgbClr val="24292E"/>
+                </a:solidFill>
+                <a:latin typeface="Courier" pitchFamily="2" charset="0"/>
+              </a:rPr>
+              <a:t>() private </a:t>
+            </a:r>
+            <a:r>
+              <a:rPr lang="de-CH" sz="1400" dirty="0" err="1">
+                <a:solidFill>
+                  <a:srgbClr val="24292E"/>
+                </a:solidFill>
+                <a:latin typeface="Courier" pitchFamily="2" charset="0"/>
+              </a:rPr>
+              <a:t>returns</a:t>
+            </a:r>
+            <a:r>
+              <a:rPr lang="de-CH" sz="1400" dirty="0">
+                <a:solidFill>
+                  <a:srgbClr val="24292E"/>
+                </a:solidFill>
+                <a:latin typeface="Courier" pitchFamily="2" charset="0"/>
+              </a:rPr>
+              <a:t>(uint256) {</a:t>
+            </a:r>
+          </a:p>
+          <a:p>
+            <a:pPr marL="0" indent="0">
+              <a:buNone/>
+            </a:pPr>
+            <a:r>
+              <a:rPr lang="de-CH" sz="1400" dirty="0">
+                <a:solidFill>
+                  <a:srgbClr val="24292E"/>
+                </a:solidFill>
+                <a:latin typeface="Courier" pitchFamily="2" charset="0"/>
+              </a:rPr>
+              <a:t>// </a:t>
+            </a:r>
+            <a:r>
+              <a:rPr lang="de-CH" sz="1400" dirty="0" err="1">
+                <a:solidFill>
+                  <a:srgbClr val="24292E"/>
+                </a:solidFill>
+                <a:latin typeface="Courier" pitchFamily="2" charset="0"/>
+              </a:rPr>
+              <a:t>use</a:t>
+            </a:r>
+            <a:r>
+              <a:rPr lang="de-CH" sz="1400" dirty="0">
+                <a:solidFill>
+                  <a:srgbClr val="24292E"/>
+                </a:solidFill>
+                <a:latin typeface="Courier" pitchFamily="2" charset="0"/>
+              </a:rPr>
+              <a:t> </a:t>
+            </a:r>
+            <a:r>
+              <a:rPr lang="de-CH" sz="1400" dirty="0" err="1">
+                <a:solidFill>
+                  <a:srgbClr val="24292E"/>
+                </a:solidFill>
+                <a:latin typeface="Courier" pitchFamily="2" charset="0"/>
+              </a:rPr>
+              <a:t>randomSeed</a:t>
+            </a:r>
+            <a:r>
+              <a:rPr lang="de-CH" sz="1400" dirty="0">
+                <a:solidFill>
+                  <a:srgbClr val="24292E"/>
+                </a:solidFill>
+                <a:latin typeface="Courier" pitchFamily="2" charset="0"/>
+              </a:rPr>
+              <a:t> </a:t>
+            </a:r>
+            <a:r>
+              <a:rPr lang="de-CH" sz="1400" dirty="0" err="1">
+                <a:solidFill>
+                  <a:srgbClr val="24292E"/>
+                </a:solidFill>
+                <a:latin typeface="Courier" pitchFamily="2" charset="0"/>
+              </a:rPr>
+              <a:t>as</a:t>
+            </a:r>
+            <a:r>
+              <a:rPr lang="de-CH" sz="1400" dirty="0">
+                <a:solidFill>
+                  <a:srgbClr val="24292E"/>
+                </a:solidFill>
+                <a:latin typeface="Courier" pitchFamily="2" charset="0"/>
+              </a:rPr>
+              <a:t> X_0</a:t>
+            </a:r>
+          </a:p>
+          <a:p>
+            <a:pPr marL="0" indent="0">
+              <a:buNone/>
+            </a:pPr>
+            <a:r>
+              <a:rPr lang="de-CH" sz="1400" dirty="0">
+                <a:solidFill>
+                  <a:srgbClr val="24292E"/>
+                </a:solidFill>
+                <a:latin typeface="Courier" pitchFamily="2" charset="0"/>
+              </a:rPr>
+              <a:t>// X_(n+1) = a*</a:t>
+            </a:r>
+            <a:r>
+              <a:rPr lang="de-CH" sz="1400" dirty="0" err="1">
+                <a:solidFill>
+                  <a:srgbClr val="24292E"/>
+                </a:solidFill>
+                <a:latin typeface="Courier" pitchFamily="2" charset="0"/>
+              </a:rPr>
+              <a:t>X_n</a:t>
+            </a:r>
+            <a:r>
+              <a:rPr lang="de-CH" sz="1400" dirty="0">
+                <a:solidFill>
+                  <a:srgbClr val="24292E"/>
+                </a:solidFill>
+                <a:latin typeface="Courier" pitchFamily="2" charset="0"/>
+              </a:rPr>
+              <a:t> + c </a:t>
+            </a:r>
+            <a:r>
+              <a:rPr lang="de-CH" sz="1400" dirty="0" err="1">
+                <a:solidFill>
+                  <a:srgbClr val="24292E"/>
+                </a:solidFill>
+                <a:latin typeface="Courier" pitchFamily="2" charset="0"/>
+              </a:rPr>
+              <a:t>mod</a:t>
+            </a:r>
+            <a:r>
+              <a:rPr lang="de-CH" sz="1400" dirty="0">
+                <a:solidFill>
+                  <a:srgbClr val="24292E"/>
+                </a:solidFill>
+                <a:latin typeface="Courier" pitchFamily="2" charset="0"/>
+              </a:rPr>
+              <a:t> m</a:t>
+            </a:r>
+          </a:p>
+          <a:p>
+            <a:pPr marL="0" indent="0">
+              <a:buNone/>
+            </a:pPr>
+            <a:r>
+              <a:rPr lang="de-CH" sz="1400" dirty="0">
+                <a:solidFill>
+                  <a:srgbClr val="24292E"/>
+                </a:solidFill>
+                <a:latin typeface="Courier" pitchFamily="2" charset="0"/>
+              </a:rPr>
+              <a:t>// a = 48271, c = 0, m = 2**32 (=4294967295)</a:t>
+            </a:r>
+          </a:p>
+          <a:p>
+            <a:pPr marL="0" indent="0">
+              <a:buNone/>
+            </a:pPr>
+            <a:r>
+              <a:rPr lang="de-CH" sz="1400" dirty="0" err="1">
+                <a:solidFill>
+                  <a:srgbClr val="24292E"/>
+                </a:solidFill>
+                <a:highlight>
+                  <a:srgbClr val="00FF00"/>
+                </a:highlight>
+                <a:latin typeface="Courier" pitchFamily="2" charset="0"/>
+              </a:rPr>
+              <a:t>currentRandomNumber</a:t>
+            </a:r>
+            <a:r>
+              <a:rPr lang="de-CH" sz="1400" dirty="0">
+                <a:solidFill>
+                  <a:srgbClr val="24292E"/>
+                </a:solidFill>
+                <a:highlight>
+                  <a:srgbClr val="00FF00"/>
+                </a:highlight>
+                <a:latin typeface="Courier" pitchFamily="2" charset="0"/>
+              </a:rPr>
+              <a:t> = (48271 * </a:t>
+            </a:r>
+            <a:r>
+              <a:rPr lang="de-CH" sz="1400" dirty="0" err="1">
+                <a:solidFill>
+                  <a:srgbClr val="24292E"/>
+                </a:solidFill>
+                <a:highlight>
+                  <a:srgbClr val="00FF00"/>
+                </a:highlight>
+                <a:latin typeface="Courier" pitchFamily="2" charset="0"/>
+              </a:rPr>
+              <a:t>currentRandomNumber</a:t>
+            </a:r>
+            <a:r>
+              <a:rPr lang="de-CH" sz="1400" dirty="0">
+                <a:solidFill>
+                  <a:srgbClr val="24292E"/>
+                </a:solidFill>
+                <a:highlight>
+                  <a:srgbClr val="00FF00"/>
+                </a:highlight>
+                <a:latin typeface="Courier" pitchFamily="2" charset="0"/>
+              </a:rPr>
+              <a:t>) % 4294967295;</a:t>
+            </a:r>
+          </a:p>
+          <a:p>
+            <a:pPr marL="0" indent="0">
+              <a:buNone/>
+            </a:pPr>
+            <a:r>
+              <a:rPr lang="de-CH" sz="1400" dirty="0" err="1">
+                <a:solidFill>
+                  <a:srgbClr val="24292E"/>
+                </a:solidFill>
+                <a:latin typeface="Courier" pitchFamily="2" charset="0"/>
+              </a:rPr>
+              <a:t>return</a:t>
+            </a:r>
+            <a:r>
+              <a:rPr lang="de-CH" sz="1400" dirty="0">
+                <a:solidFill>
+                  <a:srgbClr val="24292E"/>
+                </a:solidFill>
+                <a:latin typeface="Courier" pitchFamily="2" charset="0"/>
+              </a:rPr>
+              <a:t> </a:t>
+            </a:r>
+            <a:r>
+              <a:rPr lang="de-CH" sz="1400" dirty="0" err="1">
+                <a:solidFill>
+                  <a:srgbClr val="24292E"/>
+                </a:solidFill>
+                <a:latin typeface="Courier" pitchFamily="2" charset="0"/>
+              </a:rPr>
+              <a:t>currentRandomNumber</a:t>
+            </a:r>
+            <a:r>
+              <a:rPr lang="de-CH" sz="1400" dirty="0">
+                <a:solidFill>
+                  <a:srgbClr val="24292E"/>
+                </a:solidFill>
+                <a:latin typeface="Courier" pitchFamily="2" charset="0"/>
+              </a:rPr>
+              <a:t>;</a:t>
+            </a:r>
+          </a:p>
+          <a:p>
+            <a:pPr marL="0" indent="0">
+              <a:buNone/>
+            </a:pPr>
+            <a:r>
+              <a:rPr lang="de-CH" sz="1400" dirty="0">
+                <a:solidFill>
+                  <a:srgbClr val="24292E"/>
+                </a:solidFill>
+                <a:latin typeface="Courier" pitchFamily="2" charset="0"/>
+              </a:rPr>
+              <a:t>}</a:t>
+            </a:r>
+          </a:p>
+          <a:p>
+            <a:pPr marL="0" indent="0">
+              <a:buNone/>
+            </a:pPr>
+            <a:endParaRPr lang="de-CH" sz="1400" dirty="0">
+              <a:solidFill>
+                <a:srgbClr val="24292E"/>
+              </a:solidFill>
+              <a:latin typeface="Courier" pitchFamily="2" charset="0"/>
+            </a:endParaRPr>
           </a:p>
         </p:txBody>
       </p:sp>
@@ -4394,8 +5771,27 @@
           <a:p>
             <a:r>
               <a:rPr lang="en-US" dirty="0"/>
-              <a:t>Explain why certain functions may be subject to attack and how we could solve this</a:t>
-            </a:r>
+              <a:t>Problem 1: (Semi-)random seed</a:t>
+            </a:r>
+          </a:p>
+          <a:p>
+            <a:pPr marL="285750" indent="-285750">
+              <a:buFont typeface="Wingdings" pitchFamily="2" charset="2"/>
+              <a:buChar char="Ø"/>
+            </a:pPr>
+            <a:r>
+              <a:rPr lang="en-US" dirty="0"/>
+              <a:t>Set maximum bet low enough so that incentives are not distorted</a:t>
+            </a:r>
+          </a:p>
+          <a:p>
+            <a:r>
+              <a:rPr lang="en-US" dirty="0"/>
+              <a:t>Problem 2:</a:t>
+            </a:r>
+          </a:p>
+          <a:p>
+            <a:endParaRPr lang="en-US" dirty="0"/>
           </a:p>
         </p:txBody>
       </p:sp>
